--- a/ppt 16-9/1299.耶稣救主爱小.pptx
+++ b/ppt 16-9/1299.耶稣救主爱小.pptx
@@ -5,7 +5,7 @@
     <p:sldMasterId id="2147483648" r:id="rId1"/>
   </p:sldMasterIdLst>
   <p:sldIdLst>
-    <p:sldId id="848" r:id="rId2"/>
+    <p:sldId id="849" r:id="rId2"/>
   </p:sldIdLst>
   <p:sldSz cx="12192000" cy="6858000"/>
   <p:notesSz cx="6858000" cy="9144000"/>
@@ -129,7 +129,7 @@
           <p:cNvPr id="2" name="标题 1">
             <a:extLst>
               <a:ext uri="{FF2B5EF4-FFF2-40B4-BE49-F238E27FC236}">
-                <a16:creationId xmlns:a16="http://schemas.microsoft.com/office/drawing/2014/main" id="{1561329A-307A-8FCC-FD42-D0E7299E3EFD}"/>
+                <a16:creationId xmlns:a16="http://schemas.microsoft.com/office/drawing/2014/main" id="{1A696043-2CC4-730E-F79B-F1001B0EE024}"/>
               </a:ext>
             </a:extLst>
           </p:cNvPr>
@@ -166,7 +166,7 @@
           <p:cNvPr id="3" name="副标题 2">
             <a:extLst>
               <a:ext uri="{FF2B5EF4-FFF2-40B4-BE49-F238E27FC236}">
-                <a16:creationId xmlns:a16="http://schemas.microsoft.com/office/drawing/2014/main" id="{2BABF752-C52E-6E9E-80FD-EB855CF88494}"/>
+                <a16:creationId xmlns:a16="http://schemas.microsoft.com/office/drawing/2014/main" id="{38B7B833-374B-BEDD-2DCA-7282733CD131}"/>
               </a:ext>
             </a:extLst>
           </p:cNvPr>
@@ -236,7 +236,7 @@
           <p:cNvPr id="4" name="日期占位符 3">
             <a:extLst>
               <a:ext uri="{FF2B5EF4-FFF2-40B4-BE49-F238E27FC236}">
-                <a16:creationId xmlns:a16="http://schemas.microsoft.com/office/drawing/2014/main" id="{CEEE813A-9530-4298-551C-B80BAA23C37E}"/>
+                <a16:creationId xmlns:a16="http://schemas.microsoft.com/office/drawing/2014/main" id="{585F4578-4FC8-D962-8EE0-2A9D41BDF32C}"/>
               </a:ext>
             </a:extLst>
           </p:cNvPr>
@@ -252,7 +252,7 @@
           <a:bodyPr/>
           <a:lstStyle/>
           <a:p>
-            <a:fld id="{D7BD592E-3167-4F37-A634-2979BDB6BAFD}" type="datetimeFigureOut">
+            <a:fld id="{88102486-4488-4008-81D9-4BAFABDA4411}" type="datetimeFigureOut">
               <a:rPr lang="zh-CN" altLang="en-US" smtClean="0"/>
               <a:t>2024/3/10</a:t>
             </a:fld>
@@ -265,7 +265,7 @@
           <p:cNvPr id="5" name="页脚占位符 4">
             <a:extLst>
               <a:ext uri="{FF2B5EF4-FFF2-40B4-BE49-F238E27FC236}">
-                <a16:creationId xmlns:a16="http://schemas.microsoft.com/office/drawing/2014/main" id="{3969453D-5F62-78B1-56B4-87E3D1414324}"/>
+                <a16:creationId xmlns:a16="http://schemas.microsoft.com/office/drawing/2014/main" id="{8D7306EF-F0F5-6647-F96E-07C0735C16E5}"/>
               </a:ext>
             </a:extLst>
           </p:cNvPr>
@@ -290,7 +290,7 @@
           <p:cNvPr id="6" name="灯片编号占位符 5">
             <a:extLst>
               <a:ext uri="{FF2B5EF4-FFF2-40B4-BE49-F238E27FC236}">
-                <a16:creationId xmlns:a16="http://schemas.microsoft.com/office/drawing/2014/main" id="{E5767342-F6C5-95E9-CEB2-DE8BF97C6F97}"/>
+                <a16:creationId xmlns:a16="http://schemas.microsoft.com/office/drawing/2014/main" id="{70726F45-EB14-B8D4-DBBB-C0A968024654}"/>
               </a:ext>
             </a:extLst>
           </p:cNvPr>
@@ -306,7 +306,7 @@
           <a:bodyPr/>
           <a:lstStyle/>
           <a:p>
-            <a:fld id="{30CDC465-75B4-43AC-A177-B8FAD9519398}" type="slidenum">
+            <a:fld id="{81361A8E-A00E-4B8C-AC26-CD42702F4764}" type="slidenum">
               <a:rPr lang="zh-CN" altLang="en-US" smtClean="0"/>
               <a:t>‹#›</a:t>
             </a:fld>
@@ -317,7 +317,7 @@
     </p:spTree>
     <p:extLst>
       <p:ext uri="{BB962C8B-B14F-4D97-AF65-F5344CB8AC3E}">
-        <p14:creationId xmlns:p14="http://schemas.microsoft.com/office/powerpoint/2010/main" val="2223940682"/>
+        <p14:creationId xmlns:p14="http://schemas.microsoft.com/office/powerpoint/2010/main" val="3322291220"/>
       </p:ext>
     </p:extLst>
   </p:cSld>
@@ -349,7 +349,7 @@
           <p:cNvPr id="2" name="标题 1">
             <a:extLst>
               <a:ext uri="{FF2B5EF4-FFF2-40B4-BE49-F238E27FC236}">
-                <a16:creationId xmlns:a16="http://schemas.microsoft.com/office/drawing/2014/main" id="{84119FE8-6805-54CC-10D1-7A479FA79E68}"/>
+                <a16:creationId xmlns:a16="http://schemas.microsoft.com/office/drawing/2014/main" id="{A3978187-40C6-4077-29D3-794DAEEE2609}"/>
               </a:ext>
             </a:extLst>
           </p:cNvPr>
@@ -377,7 +377,7 @@
           <p:cNvPr id="3" name="竖排文字占位符 2">
             <a:extLst>
               <a:ext uri="{FF2B5EF4-FFF2-40B4-BE49-F238E27FC236}">
-                <a16:creationId xmlns:a16="http://schemas.microsoft.com/office/drawing/2014/main" id="{D862C831-EDE6-9024-3A4C-6F0A6E3DC40D}"/>
+                <a16:creationId xmlns:a16="http://schemas.microsoft.com/office/drawing/2014/main" id="{B51CE5CC-5CEB-A9C1-C5AD-4EF2E6F9E47A}"/>
               </a:ext>
             </a:extLst>
           </p:cNvPr>
@@ -434,7 +434,7 @@
           <p:cNvPr id="4" name="日期占位符 3">
             <a:extLst>
               <a:ext uri="{FF2B5EF4-FFF2-40B4-BE49-F238E27FC236}">
-                <a16:creationId xmlns:a16="http://schemas.microsoft.com/office/drawing/2014/main" id="{D30F999A-1486-44B3-320F-720482027814}"/>
+                <a16:creationId xmlns:a16="http://schemas.microsoft.com/office/drawing/2014/main" id="{A49FA20A-AE01-4DB4-BA90-79DBF29F8BA8}"/>
               </a:ext>
             </a:extLst>
           </p:cNvPr>
@@ -450,7 +450,7 @@
           <a:bodyPr/>
           <a:lstStyle/>
           <a:p>
-            <a:fld id="{D7BD592E-3167-4F37-A634-2979BDB6BAFD}" type="datetimeFigureOut">
+            <a:fld id="{88102486-4488-4008-81D9-4BAFABDA4411}" type="datetimeFigureOut">
               <a:rPr lang="zh-CN" altLang="en-US" smtClean="0"/>
               <a:t>2024/3/10</a:t>
             </a:fld>
@@ -463,7 +463,7 @@
           <p:cNvPr id="5" name="页脚占位符 4">
             <a:extLst>
               <a:ext uri="{FF2B5EF4-FFF2-40B4-BE49-F238E27FC236}">
-                <a16:creationId xmlns:a16="http://schemas.microsoft.com/office/drawing/2014/main" id="{FA56A265-B092-2E9B-6733-E94F5A8436D1}"/>
+                <a16:creationId xmlns:a16="http://schemas.microsoft.com/office/drawing/2014/main" id="{AA0D5ECC-B33C-DD62-1430-09FDC7B821E3}"/>
               </a:ext>
             </a:extLst>
           </p:cNvPr>
@@ -488,7 +488,7 @@
           <p:cNvPr id="6" name="灯片编号占位符 5">
             <a:extLst>
               <a:ext uri="{FF2B5EF4-FFF2-40B4-BE49-F238E27FC236}">
-                <a16:creationId xmlns:a16="http://schemas.microsoft.com/office/drawing/2014/main" id="{1970F87D-1450-3EA6-CBAE-E87DDA4A0886}"/>
+                <a16:creationId xmlns:a16="http://schemas.microsoft.com/office/drawing/2014/main" id="{18AE12E9-F304-339D-9D0F-20576612C0AA}"/>
               </a:ext>
             </a:extLst>
           </p:cNvPr>
@@ -504,7 +504,7 @@
           <a:bodyPr/>
           <a:lstStyle/>
           <a:p>
-            <a:fld id="{30CDC465-75B4-43AC-A177-B8FAD9519398}" type="slidenum">
+            <a:fld id="{81361A8E-A00E-4B8C-AC26-CD42702F4764}" type="slidenum">
               <a:rPr lang="zh-CN" altLang="en-US" smtClean="0"/>
               <a:t>‹#›</a:t>
             </a:fld>
@@ -515,7 +515,7 @@
     </p:spTree>
     <p:extLst>
       <p:ext uri="{BB962C8B-B14F-4D97-AF65-F5344CB8AC3E}">
-        <p14:creationId xmlns:p14="http://schemas.microsoft.com/office/powerpoint/2010/main" val="3758855549"/>
+        <p14:creationId xmlns:p14="http://schemas.microsoft.com/office/powerpoint/2010/main" val="1619229885"/>
       </p:ext>
     </p:extLst>
   </p:cSld>
@@ -547,7 +547,7 @@
           <p:cNvPr id="2" name="竖排标题 1">
             <a:extLst>
               <a:ext uri="{FF2B5EF4-FFF2-40B4-BE49-F238E27FC236}">
-                <a16:creationId xmlns:a16="http://schemas.microsoft.com/office/drawing/2014/main" id="{FAC12F40-E551-7AB4-0B7B-1734A62D7D43}"/>
+                <a16:creationId xmlns:a16="http://schemas.microsoft.com/office/drawing/2014/main" id="{493371B9-1F1F-37AE-C6AF-8FE4B59D9428}"/>
               </a:ext>
             </a:extLst>
           </p:cNvPr>
@@ -580,7 +580,7 @@
           <p:cNvPr id="3" name="竖排文字占位符 2">
             <a:extLst>
               <a:ext uri="{FF2B5EF4-FFF2-40B4-BE49-F238E27FC236}">
-                <a16:creationId xmlns:a16="http://schemas.microsoft.com/office/drawing/2014/main" id="{9FF43056-856B-3A68-0AB4-819C60A44F0A}"/>
+                <a16:creationId xmlns:a16="http://schemas.microsoft.com/office/drawing/2014/main" id="{99026958-19FB-3301-7738-165A6D50F61F}"/>
               </a:ext>
             </a:extLst>
           </p:cNvPr>
@@ -642,7 +642,7 @@
           <p:cNvPr id="4" name="日期占位符 3">
             <a:extLst>
               <a:ext uri="{FF2B5EF4-FFF2-40B4-BE49-F238E27FC236}">
-                <a16:creationId xmlns:a16="http://schemas.microsoft.com/office/drawing/2014/main" id="{768A8837-E1D7-121C-9F1A-FCB906CEA1DC}"/>
+                <a16:creationId xmlns:a16="http://schemas.microsoft.com/office/drawing/2014/main" id="{38B14545-A4D3-5232-C890-F4437DA1ADA1}"/>
               </a:ext>
             </a:extLst>
           </p:cNvPr>
@@ -658,7 +658,7 @@
           <a:bodyPr/>
           <a:lstStyle/>
           <a:p>
-            <a:fld id="{D7BD592E-3167-4F37-A634-2979BDB6BAFD}" type="datetimeFigureOut">
+            <a:fld id="{88102486-4488-4008-81D9-4BAFABDA4411}" type="datetimeFigureOut">
               <a:rPr lang="zh-CN" altLang="en-US" smtClean="0"/>
               <a:t>2024/3/10</a:t>
             </a:fld>
@@ -671,7 +671,7 @@
           <p:cNvPr id="5" name="页脚占位符 4">
             <a:extLst>
               <a:ext uri="{FF2B5EF4-FFF2-40B4-BE49-F238E27FC236}">
-                <a16:creationId xmlns:a16="http://schemas.microsoft.com/office/drawing/2014/main" id="{366E6816-7FEB-4C27-EF28-F8B074494D11}"/>
+                <a16:creationId xmlns:a16="http://schemas.microsoft.com/office/drawing/2014/main" id="{85081A73-C147-3C66-1A78-5456DBB36CB4}"/>
               </a:ext>
             </a:extLst>
           </p:cNvPr>
@@ -696,7 +696,7 @@
           <p:cNvPr id="6" name="灯片编号占位符 5">
             <a:extLst>
               <a:ext uri="{FF2B5EF4-FFF2-40B4-BE49-F238E27FC236}">
-                <a16:creationId xmlns:a16="http://schemas.microsoft.com/office/drawing/2014/main" id="{B63184AC-DF43-99AC-3AC9-29991CA97F9B}"/>
+                <a16:creationId xmlns:a16="http://schemas.microsoft.com/office/drawing/2014/main" id="{07F8936B-D7BF-1CEF-97F3-9F430B0C0214}"/>
               </a:ext>
             </a:extLst>
           </p:cNvPr>
@@ -712,7 +712,7 @@
           <a:bodyPr/>
           <a:lstStyle/>
           <a:p>
-            <a:fld id="{30CDC465-75B4-43AC-A177-B8FAD9519398}" type="slidenum">
+            <a:fld id="{81361A8E-A00E-4B8C-AC26-CD42702F4764}" type="slidenum">
               <a:rPr lang="zh-CN" altLang="en-US" smtClean="0"/>
               <a:t>‹#›</a:t>
             </a:fld>
@@ -723,7 +723,7 @@
     </p:spTree>
     <p:extLst>
       <p:ext uri="{BB962C8B-B14F-4D97-AF65-F5344CB8AC3E}">
-        <p14:creationId xmlns:p14="http://schemas.microsoft.com/office/powerpoint/2010/main" val="718575954"/>
+        <p14:creationId xmlns:p14="http://schemas.microsoft.com/office/powerpoint/2010/main" val="3914868190"/>
       </p:ext>
     </p:extLst>
   </p:cSld>
@@ -755,7 +755,7 @@
           <p:cNvPr id="2" name="标题 1">
             <a:extLst>
               <a:ext uri="{FF2B5EF4-FFF2-40B4-BE49-F238E27FC236}">
-                <a16:creationId xmlns:a16="http://schemas.microsoft.com/office/drawing/2014/main" id="{9D847FC3-D331-4716-F59E-D79D8003761F}"/>
+                <a16:creationId xmlns:a16="http://schemas.microsoft.com/office/drawing/2014/main" id="{8B3D223C-B850-04C2-39E2-D6C013E357AC}"/>
               </a:ext>
             </a:extLst>
           </p:cNvPr>
@@ -783,7 +783,7 @@
           <p:cNvPr id="3" name="内容占位符 2">
             <a:extLst>
               <a:ext uri="{FF2B5EF4-FFF2-40B4-BE49-F238E27FC236}">
-                <a16:creationId xmlns:a16="http://schemas.microsoft.com/office/drawing/2014/main" id="{352D7E18-0A45-5EDD-4A34-DE3161225CA1}"/>
+                <a16:creationId xmlns:a16="http://schemas.microsoft.com/office/drawing/2014/main" id="{AF6BEE30-4E46-BC8D-D820-02C12EE0444E}"/>
               </a:ext>
             </a:extLst>
           </p:cNvPr>
@@ -840,7 +840,7 @@
           <p:cNvPr id="4" name="日期占位符 3">
             <a:extLst>
               <a:ext uri="{FF2B5EF4-FFF2-40B4-BE49-F238E27FC236}">
-                <a16:creationId xmlns:a16="http://schemas.microsoft.com/office/drawing/2014/main" id="{95DDA2DE-B374-9F9F-296B-7A644001264C}"/>
+                <a16:creationId xmlns:a16="http://schemas.microsoft.com/office/drawing/2014/main" id="{EC008C0D-177F-4626-E579-7C36F46B088C}"/>
               </a:ext>
             </a:extLst>
           </p:cNvPr>
@@ -856,7 +856,7 @@
           <a:bodyPr/>
           <a:lstStyle/>
           <a:p>
-            <a:fld id="{D7BD592E-3167-4F37-A634-2979BDB6BAFD}" type="datetimeFigureOut">
+            <a:fld id="{88102486-4488-4008-81D9-4BAFABDA4411}" type="datetimeFigureOut">
               <a:rPr lang="zh-CN" altLang="en-US" smtClean="0"/>
               <a:t>2024/3/10</a:t>
             </a:fld>
@@ -869,7 +869,7 @@
           <p:cNvPr id="5" name="页脚占位符 4">
             <a:extLst>
               <a:ext uri="{FF2B5EF4-FFF2-40B4-BE49-F238E27FC236}">
-                <a16:creationId xmlns:a16="http://schemas.microsoft.com/office/drawing/2014/main" id="{9DB83F7B-D793-1848-2AF9-45A589A6620E}"/>
+                <a16:creationId xmlns:a16="http://schemas.microsoft.com/office/drawing/2014/main" id="{86E187FF-E85B-C07E-C844-8939D4751A55}"/>
               </a:ext>
             </a:extLst>
           </p:cNvPr>
@@ -894,7 +894,7 @@
           <p:cNvPr id="6" name="灯片编号占位符 5">
             <a:extLst>
               <a:ext uri="{FF2B5EF4-FFF2-40B4-BE49-F238E27FC236}">
-                <a16:creationId xmlns:a16="http://schemas.microsoft.com/office/drawing/2014/main" id="{4830A41F-65BF-F36F-12B6-1D1551EF44F8}"/>
+                <a16:creationId xmlns:a16="http://schemas.microsoft.com/office/drawing/2014/main" id="{AEF0C58C-0EA1-CE26-F873-069B80D53312}"/>
               </a:ext>
             </a:extLst>
           </p:cNvPr>
@@ -910,7 +910,7 @@
           <a:bodyPr/>
           <a:lstStyle/>
           <a:p>
-            <a:fld id="{30CDC465-75B4-43AC-A177-B8FAD9519398}" type="slidenum">
+            <a:fld id="{81361A8E-A00E-4B8C-AC26-CD42702F4764}" type="slidenum">
               <a:rPr lang="zh-CN" altLang="en-US" smtClean="0"/>
               <a:t>‹#›</a:t>
             </a:fld>
@@ -921,7 +921,7 @@
     </p:spTree>
     <p:extLst>
       <p:ext uri="{BB962C8B-B14F-4D97-AF65-F5344CB8AC3E}">
-        <p14:creationId xmlns:p14="http://schemas.microsoft.com/office/powerpoint/2010/main" val="2189328440"/>
+        <p14:creationId xmlns:p14="http://schemas.microsoft.com/office/powerpoint/2010/main" val="2478378165"/>
       </p:ext>
     </p:extLst>
   </p:cSld>
@@ -953,7 +953,7 @@
           <p:cNvPr id="2" name="标题 1">
             <a:extLst>
               <a:ext uri="{FF2B5EF4-FFF2-40B4-BE49-F238E27FC236}">
-                <a16:creationId xmlns:a16="http://schemas.microsoft.com/office/drawing/2014/main" id="{DDA37E7C-408A-FEE7-8138-B9D7E5181E76}"/>
+                <a16:creationId xmlns:a16="http://schemas.microsoft.com/office/drawing/2014/main" id="{4EEF5E1F-6ABE-CEC1-DF7A-ACAF0652DBC0}"/>
               </a:ext>
             </a:extLst>
           </p:cNvPr>
@@ -990,7 +990,7 @@
           <p:cNvPr id="3" name="文本占位符 2">
             <a:extLst>
               <a:ext uri="{FF2B5EF4-FFF2-40B4-BE49-F238E27FC236}">
-                <a16:creationId xmlns:a16="http://schemas.microsoft.com/office/drawing/2014/main" id="{A3E2C11F-AFB8-72D9-405F-3806050EFA17}"/>
+                <a16:creationId xmlns:a16="http://schemas.microsoft.com/office/drawing/2014/main" id="{1546CC03-EDE9-53CE-B1A2-273050515B92}"/>
               </a:ext>
             </a:extLst>
           </p:cNvPr>
@@ -1115,7 +1115,7 @@
           <p:cNvPr id="4" name="日期占位符 3">
             <a:extLst>
               <a:ext uri="{FF2B5EF4-FFF2-40B4-BE49-F238E27FC236}">
-                <a16:creationId xmlns:a16="http://schemas.microsoft.com/office/drawing/2014/main" id="{30F24E1E-182B-1CDE-ACD8-8E78BE31947A}"/>
+                <a16:creationId xmlns:a16="http://schemas.microsoft.com/office/drawing/2014/main" id="{30E2D79F-8A68-8198-05C2-77AAADB52F51}"/>
               </a:ext>
             </a:extLst>
           </p:cNvPr>
@@ -1131,7 +1131,7 @@
           <a:bodyPr/>
           <a:lstStyle/>
           <a:p>
-            <a:fld id="{D7BD592E-3167-4F37-A634-2979BDB6BAFD}" type="datetimeFigureOut">
+            <a:fld id="{88102486-4488-4008-81D9-4BAFABDA4411}" type="datetimeFigureOut">
               <a:rPr lang="zh-CN" altLang="en-US" smtClean="0"/>
               <a:t>2024/3/10</a:t>
             </a:fld>
@@ -1144,7 +1144,7 @@
           <p:cNvPr id="5" name="页脚占位符 4">
             <a:extLst>
               <a:ext uri="{FF2B5EF4-FFF2-40B4-BE49-F238E27FC236}">
-                <a16:creationId xmlns:a16="http://schemas.microsoft.com/office/drawing/2014/main" id="{1C3EE240-5812-05B8-71F5-D9313AF210FE}"/>
+                <a16:creationId xmlns:a16="http://schemas.microsoft.com/office/drawing/2014/main" id="{AC0A5947-A987-790F-BE51-7A2C08DF0E5E}"/>
               </a:ext>
             </a:extLst>
           </p:cNvPr>
@@ -1169,7 +1169,7 @@
           <p:cNvPr id="6" name="灯片编号占位符 5">
             <a:extLst>
               <a:ext uri="{FF2B5EF4-FFF2-40B4-BE49-F238E27FC236}">
-                <a16:creationId xmlns:a16="http://schemas.microsoft.com/office/drawing/2014/main" id="{377631A5-9A13-BD1C-D18C-BA17D9F338D1}"/>
+                <a16:creationId xmlns:a16="http://schemas.microsoft.com/office/drawing/2014/main" id="{9FDD2D45-CF9E-6599-720F-54B623168A3C}"/>
               </a:ext>
             </a:extLst>
           </p:cNvPr>
@@ -1185,7 +1185,7 @@
           <a:bodyPr/>
           <a:lstStyle/>
           <a:p>
-            <a:fld id="{30CDC465-75B4-43AC-A177-B8FAD9519398}" type="slidenum">
+            <a:fld id="{81361A8E-A00E-4B8C-AC26-CD42702F4764}" type="slidenum">
               <a:rPr lang="zh-CN" altLang="en-US" smtClean="0"/>
               <a:t>‹#›</a:t>
             </a:fld>
@@ -1196,7 +1196,7 @@
     </p:spTree>
     <p:extLst>
       <p:ext uri="{BB962C8B-B14F-4D97-AF65-F5344CB8AC3E}">
-        <p14:creationId xmlns:p14="http://schemas.microsoft.com/office/powerpoint/2010/main" val="3533423898"/>
+        <p14:creationId xmlns:p14="http://schemas.microsoft.com/office/powerpoint/2010/main" val="4102888272"/>
       </p:ext>
     </p:extLst>
   </p:cSld>
@@ -1228,7 +1228,7 @@
           <p:cNvPr id="2" name="标题 1">
             <a:extLst>
               <a:ext uri="{FF2B5EF4-FFF2-40B4-BE49-F238E27FC236}">
-                <a16:creationId xmlns:a16="http://schemas.microsoft.com/office/drawing/2014/main" id="{AD9F07DA-6214-67D0-4DFF-5ED91A42A2EC}"/>
+                <a16:creationId xmlns:a16="http://schemas.microsoft.com/office/drawing/2014/main" id="{9A486973-DDA1-DED2-BBC0-817F96B77846}"/>
               </a:ext>
             </a:extLst>
           </p:cNvPr>
@@ -1256,7 +1256,7 @@
           <p:cNvPr id="3" name="内容占位符 2">
             <a:extLst>
               <a:ext uri="{FF2B5EF4-FFF2-40B4-BE49-F238E27FC236}">
-                <a16:creationId xmlns:a16="http://schemas.microsoft.com/office/drawing/2014/main" id="{1C05E7BD-5519-EDB7-3F5F-3C643AF23271}"/>
+                <a16:creationId xmlns:a16="http://schemas.microsoft.com/office/drawing/2014/main" id="{0C0081DE-BCE3-6200-F748-B16474A0C647}"/>
               </a:ext>
             </a:extLst>
           </p:cNvPr>
@@ -1318,7 +1318,7 @@
           <p:cNvPr id="4" name="内容占位符 3">
             <a:extLst>
               <a:ext uri="{FF2B5EF4-FFF2-40B4-BE49-F238E27FC236}">
-                <a16:creationId xmlns:a16="http://schemas.microsoft.com/office/drawing/2014/main" id="{B65F5EBF-EA08-93CF-BDAC-9EFA5D73CB99}"/>
+                <a16:creationId xmlns:a16="http://schemas.microsoft.com/office/drawing/2014/main" id="{00CCE48D-1257-13C3-A8BD-1E013BBBC98F}"/>
               </a:ext>
             </a:extLst>
           </p:cNvPr>
@@ -1380,7 +1380,7 @@
           <p:cNvPr id="5" name="日期占位符 4">
             <a:extLst>
               <a:ext uri="{FF2B5EF4-FFF2-40B4-BE49-F238E27FC236}">
-                <a16:creationId xmlns:a16="http://schemas.microsoft.com/office/drawing/2014/main" id="{0128DECA-7E9F-5688-CED2-073A693CC784}"/>
+                <a16:creationId xmlns:a16="http://schemas.microsoft.com/office/drawing/2014/main" id="{35D99CE3-0129-36F3-FFF4-46ED95A376F0}"/>
               </a:ext>
             </a:extLst>
           </p:cNvPr>
@@ -1396,7 +1396,7 @@
           <a:bodyPr/>
           <a:lstStyle/>
           <a:p>
-            <a:fld id="{D7BD592E-3167-4F37-A634-2979BDB6BAFD}" type="datetimeFigureOut">
+            <a:fld id="{88102486-4488-4008-81D9-4BAFABDA4411}" type="datetimeFigureOut">
               <a:rPr lang="zh-CN" altLang="en-US" smtClean="0"/>
               <a:t>2024/3/10</a:t>
             </a:fld>
@@ -1409,7 +1409,7 @@
           <p:cNvPr id="6" name="页脚占位符 5">
             <a:extLst>
               <a:ext uri="{FF2B5EF4-FFF2-40B4-BE49-F238E27FC236}">
-                <a16:creationId xmlns:a16="http://schemas.microsoft.com/office/drawing/2014/main" id="{0BB0D033-66E8-2191-4D44-2442DB6DF787}"/>
+                <a16:creationId xmlns:a16="http://schemas.microsoft.com/office/drawing/2014/main" id="{3D9D5112-A5BE-211E-35A6-2F96B314B428}"/>
               </a:ext>
             </a:extLst>
           </p:cNvPr>
@@ -1434,7 +1434,7 @@
           <p:cNvPr id="7" name="灯片编号占位符 6">
             <a:extLst>
               <a:ext uri="{FF2B5EF4-FFF2-40B4-BE49-F238E27FC236}">
-                <a16:creationId xmlns:a16="http://schemas.microsoft.com/office/drawing/2014/main" id="{F7FD1B32-1507-4C63-FDF7-CC6120C31CC0}"/>
+                <a16:creationId xmlns:a16="http://schemas.microsoft.com/office/drawing/2014/main" id="{408889A7-1EE3-6472-D1F2-71A0998D120D}"/>
               </a:ext>
             </a:extLst>
           </p:cNvPr>
@@ -1450,7 +1450,7 @@
           <a:bodyPr/>
           <a:lstStyle/>
           <a:p>
-            <a:fld id="{30CDC465-75B4-43AC-A177-B8FAD9519398}" type="slidenum">
+            <a:fld id="{81361A8E-A00E-4B8C-AC26-CD42702F4764}" type="slidenum">
               <a:rPr lang="zh-CN" altLang="en-US" smtClean="0"/>
               <a:t>‹#›</a:t>
             </a:fld>
@@ -1461,7 +1461,7 @@
     </p:spTree>
     <p:extLst>
       <p:ext uri="{BB962C8B-B14F-4D97-AF65-F5344CB8AC3E}">
-        <p14:creationId xmlns:p14="http://schemas.microsoft.com/office/powerpoint/2010/main" val="2385411999"/>
+        <p14:creationId xmlns:p14="http://schemas.microsoft.com/office/powerpoint/2010/main" val="2955821945"/>
       </p:ext>
     </p:extLst>
   </p:cSld>
@@ -1493,7 +1493,7 @@
           <p:cNvPr id="2" name="标题 1">
             <a:extLst>
               <a:ext uri="{FF2B5EF4-FFF2-40B4-BE49-F238E27FC236}">
-                <a16:creationId xmlns:a16="http://schemas.microsoft.com/office/drawing/2014/main" id="{F2355059-8897-E679-8DAD-9CB0C0F4067D}"/>
+                <a16:creationId xmlns:a16="http://schemas.microsoft.com/office/drawing/2014/main" id="{07747A54-AD9C-239F-3F50-5480DBD70270}"/>
               </a:ext>
             </a:extLst>
           </p:cNvPr>
@@ -1526,7 +1526,7 @@
           <p:cNvPr id="3" name="文本占位符 2">
             <a:extLst>
               <a:ext uri="{FF2B5EF4-FFF2-40B4-BE49-F238E27FC236}">
-                <a16:creationId xmlns:a16="http://schemas.microsoft.com/office/drawing/2014/main" id="{9FC69C7B-DCA0-9061-A58F-399DE909548A}"/>
+                <a16:creationId xmlns:a16="http://schemas.microsoft.com/office/drawing/2014/main" id="{8BAAF871-0E5C-D0EA-25FB-D046BB43D67C}"/>
               </a:ext>
             </a:extLst>
           </p:cNvPr>
@@ -1597,7 +1597,7 @@
           <p:cNvPr id="4" name="内容占位符 3">
             <a:extLst>
               <a:ext uri="{FF2B5EF4-FFF2-40B4-BE49-F238E27FC236}">
-                <a16:creationId xmlns:a16="http://schemas.microsoft.com/office/drawing/2014/main" id="{B3DDC664-1463-A454-9B93-27AFA4C16902}"/>
+                <a16:creationId xmlns:a16="http://schemas.microsoft.com/office/drawing/2014/main" id="{B850BF7C-4C18-6F95-08E1-E1F76F9BD6A2}"/>
               </a:ext>
             </a:extLst>
           </p:cNvPr>
@@ -1659,7 +1659,7 @@
           <p:cNvPr id="5" name="文本占位符 4">
             <a:extLst>
               <a:ext uri="{FF2B5EF4-FFF2-40B4-BE49-F238E27FC236}">
-                <a16:creationId xmlns:a16="http://schemas.microsoft.com/office/drawing/2014/main" id="{CE3F4CCD-278C-C7B8-22EB-EA77F4A42335}"/>
+                <a16:creationId xmlns:a16="http://schemas.microsoft.com/office/drawing/2014/main" id="{5F00D49A-55B4-B870-F1E8-9AACCD3C95CC}"/>
               </a:ext>
             </a:extLst>
           </p:cNvPr>
@@ -1730,7 +1730,7 @@
           <p:cNvPr id="6" name="内容占位符 5">
             <a:extLst>
               <a:ext uri="{FF2B5EF4-FFF2-40B4-BE49-F238E27FC236}">
-                <a16:creationId xmlns:a16="http://schemas.microsoft.com/office/drawing/2014/main" id="{1B9BF149-B91C-7A83-66E0-BC8D37CDDFF9}"/>
+                <a16:creationId xmlns:a16="http://schemas.microsoft.com/office/drawing/2014/main" id="{BD608A7B-9F61-B15C-8697-3C63CFBBD9C6}"/>
               </a:ext>
             </a:extLst>
           </p:cNvPr>
@@ -1792,7 +1792,7 @@
           <p:cNvPr id="7" name="日期占位符 6">
             <a:extLst>
               <a:ext uri="{FF2B5EF4-FFF2-40B4-BE49-F238E27FC236}">
-                <a16:creationId xmlns:a16="http://schemas.microsoft.com/office/drawing/2014/main" id="{CA48CAF8-106B-B9B1-F1CF-CD1C37484222}"/>
+                <a16:creationId xmlns:a16="http://schemas.microsoft.com/office/drawing/2014/main" id="{7D66CA5C-DA13-2FC7-2D5A-E547E28EB622}"/>
               </a:ext>
             </a:extLst>
           </p:cNvPr>
@@ -1808,7 +1808,7 @@
           <a:bodyPr/>
           <a:lstStyle/>
           <a:p>
-            <a:fld id="{D7BD592E-3167-4F37-A634-2979BDB6BAFD}" type="datetimeFigureOut">
+            <a:fld id="{88102486-4488-4008-81D9-4BAFABDA4411}" type="datetimeFigureOut">
               <a:rPr lang="zh-CN" altLang="en-US" smtClean="0"/>
               <a:t>2024/3/10</a:t>
             </a:fld>
@@ -1821,7 +1821,7 @@
           <p:cNvPr id="8" name="页脚占位符 7">
             <a:extLst>
               <a:ext uri="{FF2B5EF4-FFF2-40B4-BE49-F238E27FC236}">
-                <a16:creationId xmlns:a16="http://schemas.microsoft.com/office/drawing/2014/main" id="{83F3CAE5-7D78-86D7-71BE-A285E24468E3}"/>
+                <a16:creationId xmlns:a16="http://schemas.microsoft.com/office/drawing/2014/main" id="{DE4B20D6-D086-F0EC-4B5D-A55605F482BB}"/>
               </a:ext>
             </a:extLst>
           </p:cNvPr>
@@ -1846,7 +1846,7 @@
           <p:cNvPr id="9" name="灯片编号占位符 8">
             <a:extLst>
               <a:ext uri="{FF2B5EF4-FFF2-40B4-BE49-F238E27FC236}">
-                <a16:creationId xmlns:a16="http://schemas.microsoft.com/office/drawing/2014/main" id="{6415CA3A-1465-545F-4A2B-12FD7BA0817B}"/>
+                <a16:creationId xmlns:a16="http://schemas.microsoft.com/office/drawing/2014/main" id="{E54CACF5-708F-D0DC-8CB2-63FB44BD90EA}"/>
               </a:ext>
             </a:extLst>
           </p:cNvPr>
@@ -1862,7 +1862,7 @@
           <a:bodyPr/>
           <a:lstStyle/>
           <a:p>
-            <a:fld id="{30CDC465-75B4-43AC-A177-B8FAD9519398}" type="slidenum">
+            <a:fld id="{81361A8E-A00E-4B8C-AC26-CD42702F4764}" type="slidenum">
               <a:rPr lang="zh-CN" altLang="en-US" smtClean="0"/>
               <a:t>‹#›</a:t>
             </a:fld>
@@ -1873,7 +1873,7 @@
     </p:spTree>
     <p:extLst>
       <p:ext uri="{BB962C8B-B14F-4D97-AF65-F5344CB8AC3E}">
-        <p14:creationId xmlns:p14="http://schemas.microsoft.com/office/powerpoint/2010/main" val="893775655"/>
+        <p14:creationId xmlns:p14="http://schemas.microsoft.com/office/powerpoint/2010/main" val="2027020489"/>
       </p:ext>
     </p:extLst>
   </p:cSld>
@@ -1905,7 +1905,7 @@
           <p:cNvPr id="2" name="标题 1">
             <a:extLst>
               <a:ext uri="{FF2B5EF4-FFF2-40B4-BE49-F238E27FC236}">
-                <a16:creationId xmlns:a16="http://schemas.microsoft.com/office/drawing/2014/main" id="{952ABE8F-9A1E-9DBC-7CE5-88E40B0D6C51}"/>
+                <a16:creationId xmlns:a16="http://schemas.microsoft.com/office/drawing/2014/main" id="{B4C28ACA-A293-ACAC-8527-276B13575810}"/>
               </a:ext>
             </a:extLst>
           </p:cNvPr>
@@ -1933,7 +1933,7 @@
           <p:cNvPr id="3" name="日期占位符 2">
             <a:extLst>
               <a:ext uri="{FF2B5EF4-FFF2-40B4-BE49-F238E27FC236}">
-                <a16:creationId xmlns:a16="http://schemas.microsoft.com/office/drawing/2014/main" id="{5B060A4A-3477-DD0A-CFCE-0923D8E84DB7}"/>
+                <a16:creationId xmlns:a16="http://schemas.microsoft.com/office/drawing/2014/main" id="{F18F6F74-1C91-4577-2806-55DD4AF2E427}"/>
               </a:ext>
             </a:extLst>
           </p:cNvPr>
@@ -1949,7 +1949,7 @@
           <a:bodyPr/>
           <a:lstStyle/>
           <a:p>
-            <a:fld id="{D7BD592E-3167-4F37-A634-2979BDB6BAFD}" type="datetimeFigureOut">
+            <a:fld id="{88102486-4488-4008-81D9-4BAFABDA4411}" type="datetimeFigureOut">
               <a:rPr lang="zh-CN" altLang="en-US" smtClean="0"/>
               <a:t>2024/3/10</a:t>
             </a:fld>
@@ -1962,7 +1962,7 @@
           <p:cNvPr id="4" name="页脚占位符 3">
             <a:extLst>
               <a:ext uri="{FF2B5EF4-FFF2-40B4-BE49-F238E27FC236}">
-                <a16:creationId xmlns:a16="http://schemas.microsoft.com/office/drawing/2014/main" id="{627B2278-B22F-ED01-0C56-EE98A433584E}"/>
+                <a16:creationId xmlns:a16="http://schemas.microsoft.com/office/drawing/2014/main" id="{70769BE5-6B06-2F28-2705-94ED91041447}"/>
               </a:ext>
             </a:extLst>
           </p:cNvPr>
@@ -1987,7 +1987,7 @@
           <p:cNvPr id="5" name="灯片编号占位符 4">
             <a:extLst>
               <a:ext uri="{FF2B5EF4-FFF2-40B4-BE49-F238E27FC236}">
-                <a16:creationId xmlns:a16="http://schemas.microsoft.com/office/drawing/2014/main" id="{25D8E5F0-595A-8C7F-DF9F-FD21D57E8E3F}"/>
+                <a16:creationId xmlns:a16="http://schemas.microsoft.com/office/drawing/2014/main" id="{D5644541-124B-489E-17C9-51B3BDF51DDE}"/>
               </a:ext>
             </a:extLst>
           </p:cNvPr>
@@ -2003,7 +2003,7 @@
           <a:bodyPr/>
           <a:lstStyle/>
           <a:p>
-            <a:fld id="{30CDC465-75B4-43AC-A177-B8FAD9519398}" type="slidenum">
+            <a:fld id="{81361A8E-A00E-4B8C-AC26-CD42702F4764}" type="slidenum">
               <a:rPr lang="zh-CN" altLang="en-US" smtClean="0"/>
               <a:t>‹#›</a:t>
             </a:fld>
@@ -2014,7 +2014,7 @@
     </p:spTree>
     <p:extLst>
       <p:ext uri="{BB962C8B-B14F-4D97-AF65-F5344CB8AC3E}">
-        <p14:creationId xmlns:p14="http://schemas.microsoft.com/office/powerpoint/2010/main" val="2791088509"/>
+        <p14:creationId xmlns:p14="http://schemas.microsoft.com/office/powerpoint/2010/main" val="1968827842"/>
       </p:ext>
     </p:extLst>
   </p:cSld>
@@ -2046,7 +2046,7 @@
           <p:cNvPr id="2" name="日期占位符 1">
             <a:extLst>
               <a:ext uri="{FF2B5EF4-FFF2-40B4-BE49-F238E27FC236}">
-                <a16:creationId xmlns:a16="http://schemas.microsoft.com/office/drawing/2014/main" id="{DEEAD724-BD6E-0F15-08AC-40107CFF5F10}"/>
+                <a16:creationId xmlns:a16="http://schemas.microsoft.com/office/drawing/2014/main" id="{CAC8366F-1A3A-9018-C542-F919B2B53E00}"/>
               </a:ext>
             </a:extLst>
           </p:cNvPr>
@@ -2062,7 +2062,7 @@
           <a:bodyPr/>
           <a:lstStyle/>
           <a:p>
-            <a:fld id="{D7BD592E-3167-4F37-A634-2979BDB6BAFD}" type="datetimeFigureOut">
+            <a:fld id="{88102486-4488-4008-81D9-4BAFABDA4411}" type="datetimeFigureOut">
               <a:rPr lang="zh-CN" altLang="en-US" smtClean="0"/>
               <a:t>2024/3/10</a:t>
             </a:fld>
@@ -2075,7 +2075,7 @@
           <p:cNvPr id="3" name="页脚占位符 2">
             <a:extLst>
               <a:ext uri="{FF2B5EF4-FFF2-40B4-BE49-F238E27FC236}">
-                <a16:creationId xmlns:a16="http://schemas.microsoft.com/office/drawing/2014/main" id="{A9329BB9-8FAF-725D-7B30-BA394EEDF088}"/>
+                <a16:creationId xmlns:a16="http://schemas.microsoft.com/office/drawing/2014/main" id="{B34149D4-6E4A-A46C-FA36-937E77EBEF44}"/>
               </a:ext>
             </a:extLst>
           </p:cNvPr>
@@ -2100,7 +2100,7 @@
           <p:cNvPr id="4" name="灯片编号占位符 3">
             <a:extLst>
               <a:ext uri="{FF2B5EF4-FFF2-40B4-BE49-F238E27FC236}">
-                <a16:creationId xmlns:a16="http://schemas.microsoft.com/office/drawing/2014/main" id="{A7B85AD8-BD7A-E670-2E36-3B81E59A6D7C}"/>
+                <a16:creationId xmlns:a16="http://schemas.microsoft.com/office/drawing/2014/main" id="{C752F5D7-4C96-BA9E-C100-6E17CC61BA7B}"/>
               </a:ext>
             </a:extLst>
           </p:cNvPr>
@@ -2116,7 +2116,7 @@
           <a:bodyPr/>
           <a:lstStyle/>
           <a:p>
-            <a:fld id="{30CDC465-75B4-43AC-A177-B8FAD9519398}" type="slidenum">
+            <a:fld id="{81361A8E-A00E-4B8C-AC26-CD42702F4764}" type="slidenum">
               <a:rPr lang="zh-CN" altLang="en-US" smtClean="0"/>
               <a:t>‹#›</a:t>
             </a:fld>
@@ -2127,7 +2127,7 @@
     </p:spTree>
     <p:extLst>
       <p:ext uri="{BB962C8B-B14F-4D97-AF65-F5344CB8AC3E}">
-        <p14:creationId xmlns:p14="http://schemas.microsoft.com/office/powerpoint/2010/main" val="1983421058"/>
+        <p14:creationId xmlns:p14="http://schemas.microsoft.com/office/powerpoint/2010/main" val="618062598"/>
       </p:ext>
     </p:extLst>
   </p:cSld>
@@ -2159,7 +2159,7 @@
           <p:cNvPr id="2" name="标题 1">
             <a:extLst>
               <a:ext uri="{FF2B5EF4-FFF2-40B4-BE49-F238E27FC236}">
-                <a16:creationId xmlns:a16="http://schemas.microsoft.com/office/drawing/2014/main" id="{564FAC91-D645-B833-70BF-E49656F58044}"/>
+                <a16:creationId xmlns:a16="http://schemas.microsoft.com/office/drawing/2014/main" id="{1BD01FE3-DFC7-241B-29BE-EFBBCEBCA9C1}"/>
               </a:ext>
             </a:extLst>
           </p:cNvPr>
@@ -2196,7 +2196,7 @@
           <p:cNvPr id="3" name="内容占位符 2">
             <a:extLst>
               <a:ext uri="{FF2B5EF4-FFF2-40B4-BE49-F238E27FC236}">
-                <a16:creationId xmlns:a16="http://schemas.microsoft.com/office/drawing/2014/main" id="{D68131AF-DF0F-1D38-A21C-225E60E9983A}"/>
+                <a16:creationId xmlns:a16="http://schemas.microsoft.com/office/drawing/2014/main" id="{D19282F5-E390-D6A9-1126-9DB5EBF84EC5}"/>
               </a:ext>
             </a:extLst>
           </p:cNvPr>
@@ -2286,7 +2286,7 @@
           <p:cNvPr id="4" name="文本占位符 3">
             <a:extLst>
               <a:ext uri="{FF2B5EF4-FFF2-40B4-BE49-F238E27FC236}">
-                <a16:creationId xmlns:a16="http://schemas.microsoft.com/office/drawing/2014/main" id="{640DD187-903E-606F-6721-991FE18EAD15}"/>
+                <a16:creationId xmlns:a16="http://schemas.microsoft.com/office/drawing/2014/main" id="{9CDBFCB2-C5BC-7C69-4AAA-01E38EEBB150}"/>
               </a:ext>
             </a:extLst>
           </p:cNvPr>
@@ -2357,7 +2357,7 @@
           <p:cNvPr id="5" name="日期占位符 4">
             <a:extLst>
               <a:ext uri="{FF2B5EF4-FFF2-40B4-BE49-F238E27FC236}">
-                <a16:creationId xmlns:a16="http://schemas.microsoft.com/office/drawing/2014/main" id="{E1FD74BE-C443-80AF-0405-8737C7BF5C18}"/>
+                <a16:creationId xmlns:a16="http://schemas.microsoft.com/office/drawing/2014/main" id="{BE2682DF-7939-3773-FBE7-FA682FEAF34D}"/>
               </a:ext>
             </a:extLst>
           </p:cNvPr>
@@ -2373,7 +2373,7 @@
           <a:bodyPr/>
           <a:lstStyle/>
           <a:p>
-            <a:fld id="{D7BD592E-3167-4F37-A634-2979BDB6BAFD}" type="datetimeFigureOut">
+            <a:fld id="{88102486-4488-4008-81D9-4BAFABDA4411}" type="datetimeFigureOut">
               <a:rPr lang="zh-CN" altLang="en-US" smtClean="0"/>
               <a:t>2024/3/10</a:t>
             </a:fld>
@@ -2386,7 +2386,7 @@
           <p:cNvPr id="6" name="页脚占位符 5">
             <a:extLst>
               <a:ext uri="{FF2B5EF4-FFF2-40B4-BE49-F238E27FC236}">
-                <a16:creationId xmlns:a16="http://schemas.microsoft.com/office/drawing/2014/main" id="{A6C3551E-E234-54C3-6C09-F0B8DDD88880}"/>
+                <a16:creationId xmlns:a16="http://schemas.microsoft.com/office/drawing/2014/main" id="{511FD11D-04FB-DF09-10BB-A1D50B3C5613}"/>
               </a:ext>
             </a:extLst>
           </p:cNvPr>
@@ -2411,7 +2411,7 @@
           <p:cNvPr id="7" name="灯片编号占位符 6">
             <a:extLst>
               <a:ext uri="{FF2B5EF4-FFF2-40B4-BE49-F238E27FC236}">
-                <a16:creationId xmlns:a16="http://schemas.microsoft.com/office/drawing/2014/main" id="{A02B60F4-F148-9E3C-5730-B2A994366A65}"/>
+                <a16:creationId xmlns:a16="http://schemas.microsoft.com/office/drawing/2014/main" id="{604B3EB5-4570-D724-56E2-EF54EFF3CC88}"/>
               </a:ext>
             </a:extLst>
           </p:cNvPr>
@@ -2427,7 +2427,7 @@
           <a:bodyPr/>
           <a:lstStyle/>
           <a:p>
-            <a:fld id="{30CDC465-75B4-43AC-A177-B8FAD9519398}" type="slidenum">
+            <a:fld id="{81361A8E-A00E-4B8C-AC26-CD42702F4764}" type="slidenum">
               <a:rPr lang="zh-CN" altLang="en-US" smtClean="0"/>
               <a:t>‹#›</a:t>
             </a:fld>
@@ -2438,7 +2438,7 @@
     </p:spTree>
     <p:extLst>
       <p:ext uri="{BB962C8B-B14F-4D97-AF65-F5344CB8AC3E}">
-        <p14:creationId xmlns:p14="http://schemas.microsoft.com/office/powerpoint/2010/main" val="53418662"/>
+        <p14:creationId xmlns:p14="http://schemas.microsoft.com/office/powerpoint/2010/main" val="3800527314"/>
       </p:ext>
     </p:extLst>
   </p:cSld>
@@ -2470,7 +2470,7 @@
           <p:cNvPr id="2" name="标题 1">
             <a:extLst>
               <a:ext uri="{FF2B5EF4-FFF2-40B4-BE49-F238E27FC236}">
-                <a16:creationId xmlns:a16="http://schemas.microsoft.com/office/drawing/2014/main" id="{B134D2BF-11C7-A302-A950-CDEB6A25AA2A}"/>
+                <a16:creationId xmlns:a16="http://schemas.microsoft.com/office/drawing/2014/main" id="{0E7C0A02-2ACB-B542-9154-CB9BA5DEFDBB}"/>
               </a:ext>
             </a:extLst>
           </p:cNvPr>
@@ -2507,7 +2507,7 @@
           <p:cNvPr id="3" name="图片占位符 2">
             <a:extLst>
               <a:ext uri="{FF2B5EF4-FFF2-40B4-BE49-F238E27FC236}">
-                <a16:creationId xmlns:a16="http://schemas.microsoft.com/office/drawing/2014/main" id="{A9FF170A-D5E8-2E48-022F-8CAAB49C4C57}"/>
+                <a16:creationId xmlns:a16="http://schemas.microsoft.com/office/drawing/2014/main" id="{58981051-18E6-237F-5F96-819820BBD5D4}"/>
               </a:ext>
             </a:extLst>
           </p:cNvPr>
@@ -2574,7 +2574,7 @@
           <p:cNvPr id="4" name="文本占位符 3">
             <a:extLst>
               <a:ext uri="{FF2B5EF4-FFF2-40B4-BE49-F238E27FC236}">
-                <a16:creationId xmlns:a16="http://schemas.microsoft.com/office/drawing/2014/main" id="{198CEEC9-6482-F282-14EB-9B7AD1C1C98A}"/>
+                <a16:creationId xmlns:a16="http://schemas.microsoft.com/office/drawing/2014/main" id="{E2C89C6F-1F6F-6C09-3A4D-7E50F8784A8F}"/>
               </a:ext>
             </a:extLst>
           </p:cNvPr>
@@ -2645,7 +2645,7 @@
           <p:cNvPr id="5" name="日期占位符 4">
             <a:extLst>
               <a:ext uri="{FF2B5EF4-FFF2-40B4-BE49-F238E27FC236}">
-                <a16:creationId xmlns:a16="http://schemas.microsoft.com/office/drawing/2014/main" id="{320E70D8-29EA-10D1-3A6E-4D0BD469C3DB}"/>
+                <a16:creationId xmlns:a16="http://schemas.microsoft.com/office/drawing/2014/main" id="{3B3FD21F-CF70-50EB-3C7A-B0B3825B8B35}"/>
               </a:ext>
             </a:extLst>
           </p:cNvPr>
@@ -2661,7 +2661,7 @@
           <a:bodyPr/>
           <a:lstStyle/>
           <a:p>
-            <a:fld id="{D7BD592E-3167-4F37-A634-2979BDB6BAFD}" type="datetimeFigureOut">
+            <a:fld id="{88102486-4488-4008-81D9-4BAFABDA4411}" type="datetimeFigureOut">
               <a:rPr lang="zh-CN" altLang="en-US" smtClean="0"/>
               <a:t>2024/3/10</a:t>
             </a:fld>
@@ -2674,7 +2674,7 @@
           <p:cNvPr id="6" name="页脚占位符 5">
             <a:extLst>
               <a:ext uri="{FF2B5EF4-FFF2-40B4-BE49-F238E27FC236}">
-                <a16:creationId xmlns:a16="http://schemas.microsoft.com/office/drawing/2014/main" id="{A55B48F3-F577-0D27-5438-76BF5B50B6C6}"/>
+                <a16:creationId xmlns:a16="http://schemas.microsoft.com/office/drawing/2014/main" id="{CA7DAEC9-A555-F6F3-4742-3E14D9E0E4FD}"/>
               </a:ext>
             </a:extLst>
           </p:cNvPr>
@@ -2699,7 +2699,7 @@
           <p:cNvPr id="7" name="灯片编号占位符 6">
             <a:extLst>
               <a:ext uri="{FF2B5EF4-FFF2-40B4-BE49-F238E27FC236}">
-                <a16:creationId xmlns:a16="http://schemas.microsoft.com/office/drawing/2014/main" id="{FCAF2445-1799-6152-A9E1-D6BBD565A648}"/>
+                <a16:creationId xmlns:a16="http://schemas.microsoft.com/office/drawing/2014/main" id="{AAE0DC32-1D0A-3A23-E096-6462A587910E}"/>
               </a:ext>
             </a:extLst>
           </p:cNvPr>
@@ -2715,7 +2715,7 @@
           <a:bodyPr/>
           <a:lstStyle/>
           <a:p>
-            <a:fld id="{30CDC465-75B4-43AC-A177-B8FAD9519398}" type="slidenum">
+            <a:fld id="{81361A8E-A00E-4B8C-AC26-CD42702F4764}" type="slidenum">
               <a:rPr lang="zh-CN" altLang="en-US" smtClean="0"/>
               <a:t>‹#›</a:t>
             </a:fld>
@@ -2726,7 +2726,7 @@
     </p:spTree>
     <p:extLst>
       <p:ext uri="{BB962C8B-B14F-4D97-AF65-F5344CB8AC3E}">
-        <p14:creationId xmlns:p14="http://schemas.microsoft.com/office/powerpoint/2010/main" val="3065403102"/>
+        <p14:creationId xmlns:p14="http://schemas.microsoft.com/office/powerpoint/2010/main" val="1915719208"/>
       </p:ext>
     </p:extLst>
   </p:cSld>
@@ -2763,7 +2763,7 @@
           <p:cNvPr id="2" name="标题占位符 1">
             <a:extLst>
               <a:ext uri="{FF2B5EF4-FFF2-40B4-BE49-F238E27FC236}">
-                <a16:creationId xmlns:a16="http://schemas.microsoft.com/office/drawing/2014/main" id="{230516E0-9A3B-F264-713E-422821895D47}"/>
+                <a16:creationId xmlns:a16="http://schemas.microsoft.com/office/drawing/2014/main" id="{15E1F7FA-81A2-BA9F-941C-53A4926CDF6E}"/>
               </a:ext>
             </a:extLst>
           </p:cNvPr>
@@ -2801,7 +2801,7 @@
           <p:cNvPr id="3" name="文本占位符 2">
             <a:extLst>
               <a:ext uri="{FF2B5EF4-FFF2-40B4-BE49-F238E27FC236}">
-                <a16:creationId xmlns:a16="http://schemas.microsoft.com/office/drawing/2014/main" id="{FF092299-B494-6AC4-BDD9-0BC6A2C110C5}"/>
+                <a16:creationId xmlns:a16="http://schemas.microsoft.com/office/drawing/2014/main" id="{E1BB7731-7261-AA3B-2577-E50F3836937A}"/>
               </a:ext>
             </a:extLst>
           </p:cNvPr>
@@ -2868,7 +2868,7 @@
           <p:cNvPr id="4" name="日期占位符 3">
             <a:extLst>
               <a:ext uri="{FF2B5EF4-FFF2-40B4-BE49-F238E27FC236}">
-                <a16:creationId xmlns:a16="http://schemas.microsoft.com/office/drawing/2014/main" id="{F3931E26-F354-99E2-9F3A-A8947D8B20D8}"/>
+                <a16:creationId xmlns:a16="http://schemas.microsoft.com/office/drawing/2014/main" id="{C78334F0-C40B-CD19-398E-BC94F9971E78}"/>
               </a:ext>
             </a:extLst>
           </p:cNvPr>
@@ -2902,7 +2902,7 @@
             </a:lvl1pPr>
           </a:lstStyle>
           <a:p>
-            <a:fld id="{D7BD592E-3167-4F37-A634-2979BDB6BAFD}" type="datetimeFigureOut">
+            <a:fld id="{88102486-4488-4008-81D9-4BAFABDA4411}" type="datetimeFigureOut">
               <a:rPr lang="zh-CN" altLang="en-US" smtClean="0"/>
               <a:t>2024/3/10</a:t>
             </a:fld>
@@ -2915,7 +2915,7 @@
           <p:cNvPr id="5" name="页脚占位符 4">
             <a:extLst>
               <a:ext uri="{FF2B5EF4-FFF2-40B4-BE49-F238E27FC236}">
-                <a16:creationId xmlns:a16="http://schemas.microsoft.com/office/drawing/2014/main" id="{F3BB8B24-900A-141A-6C82-DC79AB2DD40A}"/>
+                <a16:creationId xmlns:a16="http://schemas.microsoft.com/office/drawing/2014/main" id="{D0BA207E-F2D1-C4A4-8DCC-71DB0B530665}"/>
               </a:ext>
             </a:extLst>
           </p:cNvPr>
@@ -2958,7 +2958,7 @@
           <p:cNvPr id="6" name="灯片编号占位符 5">
             <a:extLst>
               <a:ext uri="{FF2B5EF4-FFF2-40B4-BE49-F238E27FC236}">
-                <a16:creationId xmlns:a16="http://schemas.microsoft.com/office/drawing/2014/main" id="{6B75ED56-8377-2691-9D08-99DB051A7848}"/>
+                <a16:creationId xmlns:a16="http://schemas.microsoft.com/office/drawing/2014/main" id="{E15BEBEB-FD02-A674-FFCF-EBF975AB0863}"/>
               </a:ext>
             </a:extLst>
           </p:cNvPr>
@@ -2992,7 +2992,7 @@
             </a:lvl1pPr>
           </a:lstStyle>
           <a:p>
-            <a:fld id="{30CDC465-75B4-43AC-A177-B8FAD9519398}" type="slidenum">
+            <a:fld id="{81361A8E-A00E-4B8C-AC26-CD42702F4764}" type="slidenum">
               <a:rPr lang="zh-CN" altLang="en-US" smtClean="0"/>
               <a:t>‹#›</a:t>
             </a:fld>
@@ -3003,7 +3003,7 @@
     </p:spTree>
     <p:extLst>
       <p:ext uri="{BB962C8B-B14F-4D97-AF65-F5344CB8AC3E}">
-        <p14:creationId xmlns:p14="http://schemas.microsoft.com/office/powerpoint/2010/main" val="3614786476"/>
+        <p14:creationId xmlns:p14="http://schemas.microsoft.com/office/powerpoint/2010/main" val="1655006287"/>
       </p:ext>
     </p:extLst>
   </p:cSld>
@@ -3323,7 +3323,7 @@
       </p:grpSpPr>
       <p:pic>
         <p:nvPicPr>
-          <p:cNvPr id="1330178" name="Picture 2" descr="1298"/>
+          <p:cNvPr id="1331202" name="Picture 2" descr="1299"/>
           <p:cNvPicPr>
             <a:picLocks noChangeAspect="1" noChangeArrowheads="1"/>
           </p:cNvPicPr>
@@ -3345,7 +3345,7 @@
         <p:spPr bwMode="auto">
           <a:xfrm>
             <a:off x="1524000" y="0"/>
-            <a:ext cx="9144000" cy="6858000"/>
+            <a:ext cx="9144000" cy="6789738"/>
           </a:xfrm>
           <a:prstGeom prst="rect">
             <a:avLst/>
